--- a/Git resources/Site Presentation.pptx
+++ b/Git resources/Site Presentation.pptx
@@ -104,6 +104,11 @@
       </a:defRPr>
     </a:lvl9pPr>
   </p:defaultTextStyle>
+  <p:extLst>
+    <p:ext uri="{EFAFB233-063F-42B5-8137-9DF3F51BA10A}">
+      <p15:sldGuideLst xmlns:p15="http://schemas.microsoft.com/office/powerpoint/2012/main"/>
+    </p:ext>
+  </p:extLst>
 </p:presentation>
 </file>
 
@@ -2793,7 +2798,7 @@
           <a:p>
             <a:fld id="{2B3AEE3C-CB20-4992-A89C-E44605147B7D}" type="datetimeFigureOut">
               <a:rPr lang="en-US" smtClean="0"/>
-              <a:t>7/2/2018</a:t>
+              <a:t>10/Sep/18</a:t>
             </a:fld>
             <a:endParaRPr lang="en-US"/>
           </a:p>
@@ -2991,7 +2996,7 @@
           <a:p>
             <a:fld id="{2B3AEE3C-CB20-4992-A89C-E44605147B7D}" type="datetimeFigureOut">
               <a:rPr lang="en-US" smtClean="0"/>
-              <a:t>7/2/2018</a:t>
+              <a:t>10/Sep/18</a:t>
             </a:fld>
             <a:endParaRPr lang="en-US"/>
           </a:p>
@@ -3199,7 +3204,7 @@
           <a:p>
             <a:fld id="{2B3AEE3C-CB20-4992-A89C-E44605147B7D}" type="datetimeFigureOut">
               <a:rPr lang="en-US" smtClean="0"/>
-              <a:t>7/2/2018</a:t>
+              <a:t>10/Sep/18</a:t>
             </a:fld>
             <a:endParaRPr lang="en-US"/>
           </a:p>
@@ -3397,7 +3402,7 @@
           <a:p>
             <a:fld id="{2B3AEE3C-CB20-4992-A89C-E44605147B7D}" type="datetimeFigureOut">
               <a:rPr lang="en-US" smtClean="0"/>
-              <a:t>7/2/2018</a:t>
+              <a:t>10/Sep/18</a:t>
             </a:fld>
             <a:endParaRPr lang="en-US"/>
           </a:p>
@@ -3672,7 +3677,7 @@
           <a:p>
             <a:fld id="{2B3AEE3C-CB20-4992-A89C-E44605147B7D}" type="datetimeFigureOut">
               <a:rPr lang="en-US" smtClean="0"/>
-              <a:t>7/2/2018</a:t>
+              <a:t>10/Sep/18</a:t>
             </a:fld>
             <a:endParaRPr lang="en-US"/>
           </a:p>
@@ -3937,7 +3942,7 @@
           <a:p>
             <a:fld id="{2B3AEE3C-CB20-4992-A89C-E44605147B7D}" type="datetimeFigureOut">
               <a:rPr lang="en-US" smtClean="0"/>
-              <a:t>7/2/2018</a:t>
+              <a:t>10/Sep/18</a:t>
             </a:fld>
             <a:endParaRPr lang="en-US"/>
           </a:p>
@@ -4349,7 +4354,7 @@
           <a:p>
             <a:fld id="{2B3AEE3C-CB20-4992-A89C-E44605147B7D}" type="datetimeFigureOut">
               <a:rPr lang="en-US" smtClean="0"/>
-              <a:t>7/2/2018</a:t>
+              <a:t>10/Sep/18</a:t>
             </a:fld>
             <a:endParaRPr lang="en-US"/>
           </a:p>
@@ -4490,7 +4495,7 @@
           <a:p>
             <a:fld id="{2B3AEE3C-CB20-4992-A89C-E44605147B7D}" type="datetimeFigureOut">
               <a:rPr lang="en-US" smtClean="0"/>
-              <a:t>7/2/2018</a:t>
+              <a:t>10/Sep/18</a:t>
             </a:fld>
             <a:endParaRPr lang="en-US"/>
           </a:p>
@@ -4603,7 +4608,7 @@
           <a:p>
             <a:fld id="{2B3AEE3C-CB20-4992-A89C-E44605147B7D}" type="datetimeFigureOut">
               <a:rPr lang="en-US" smtClean="0"/>
-              <a:t>7/2/2018</a:t>
+              <a:t>10/Sep/18</a:t>
             </a:fld>
             <a:endParaRPr lang="en-US"/>
           </a:p>
@@ -4914,7 +4919,7 @@
           <a:p>
             <a:fld id="{2B3AEE3C-CB20-4992-A89C-E44605147B7D}" type="datetimeFigureOut">
               <a:rPr lang="en-US" smtClean="0"/>
-              <a:t>7/2/2018</a:t>
+              <a:t>10/Sep/18</a:t>
             </a:fld>
             <a:endParaRPr lang="en-US"/>
           </a:p>
@@ -5202,7 +5207,7 @@
           <a:p>
             <a:fld id="{2B3AEE3C-CB20-4992-A89C-E44605147B7D}" type="datetimeFigureOut">
               <a:rPr lang="en-US" smtClean="0"/>
-              <a:t>7/2/2018</a:t>
+              <a:t>10/Sep/18</a:t>
             </a:fld>
             <a:endParaRPr lang="en-US"/>
           </a:p>
@@ -5443,7 +5448,7 @@
           <a:p>
             <a:fld id="{2B3AEE3C-CB20-4992-A89C-E44605147B7D}" type="datetimeFigureOut">
               <a:rPr lang="en-US" smtClean="0"/>
-              <a:t>7/2/2018</a:t>
+              <a:t>10/Sep/18</a:t>
             </a:fld>
             <a:endParaRPr lang="en-US"/>
           </a:p>
@@ -5870,7 +5875,7 @@
       </p:grpSpPr>
       <p:pic>
         <p:nvPicPr>
-          <p:cNvPr id="5" name="Picture 4" descr="A screenshot of a cell phone&#10;&#10;Description generated with very high confidence">
+          <p:cNvPr id="5" name="Picture 4">
             <a:extLst>
               <a:ext uri="{FF2B5EF4-FFF2-40B4-BE49-F238E27FC236}">
                 <a16:creationId xmlns:a16="http://schemas.microsoft.com/office/drawing/2014/main" id="{A8E95516-376B-4873-9837-9B63CF04418D}"/>
@@ -5897,7 +5902,7 @@
         <p:spPr>
           <a:xfrm>
             <a:off x="2775158" y="1753180"/>
-            <a:ext cx="4254411" cy="3190808"/>
+            <a:ext cx="4254410" cy="3190808"/>
           </a:xfrm>
           <a:prstGeom prst="rect">
             <a:avLst/>
@@ -5911,7 +5916,7 @@
       </p:pic>
       <p:pic>
         <p:nvPicPr>
-          <p:cNvPr id="7" name="Picture 6" descr="A screenshot of a cell phone&#10;&#10;Description generated with high confidence">
+          <p:cNvPr id="7" name="Picture 6">
             <a:extLst>
               <a:ext uri="{FF2B5EF4-FFF2-40B4-BE49-F238E27FC236}">
                 <a16:creationId xmlns:a16="http://schemas.microsoft.com/office/drawing/2014/main" id="{9FF40F0B-F3C5-466F-B365-42790A1D5D64}"/>
@@ -5937,8 +5942,8 @@
         </p:blipFill>
         <p:spPr>
           <a:xfrm>
-            <a:off x="7291821" y="1455290"/>
-            <a:ext cx="4651600" cy="3488698"/>
+            <a:off x="7291821" y="1456140"/>
+            <a:ext cx="4651600" cy="3486997"/>
           </a:xfrm>
           <a:prstGeom prst="rect">
             <a:avLst/>
@@ -5952,7 +5957,7 @@
       </p:pic>
       <p:pic>
         <p:nvPicPr>
-          <p:cNvPr id="9" name="Picture 8" descr="A screenshot of a cell phone&#10;&#10;Description generated with very high confidence">
+          <p:cNvPr id="9" name="Picture 8">
             <a:extLst>
               <a:ext uri="{FF2B5EF4-FFF2-40B4-BE49-F238E27FC236}">
                 <a16:creationId xmlns:a16="http://schemas.microsoft.com/office/drawing/2014/main" id="{FAB8E949-5571-4684-AE4B-F09BD7A2DEB2}"/>
@@ -5978,8 +5983,8 @@
         </p:blipFill>
         <p:spPr>
           <a:xfrm>
-            <a:off x="309327" y="1080228"/>
-            <a:ext cx="2173363" cy="3863760"/>
+            <a:off x="309766" y="1080228"/>
+            <a:ext cx="2172484" cy="3863760"/>
           </a:xfrm>
           <a:prstGeom prst="rect">
             <a:avLst/>
